--- a/everything.me.pptx
+++ b/everything.me.pptx
@@ -5619,11 +5619,7 @@
             <a:pPr algn="ctr" rtl="1"/>
             <a:r>
               <a:rPr lang="en-US" dirty="0" smtClean="0"/>
-              <a:t>B</a:t>
-            </a:r>
-            <a:r>
-              <a:rPr lang="en-US" dirty="0" smtClean="0"/>
-              <a:t>y Elad </a:t>
+              <a:t>By Elad </a:t>
             </a:r>
             <a:r>
               <a:rPr lang="en-US" smtClean="0"/>
@@ -5633,6 +5629,47 @@
           </a:p>
         </p:txBody>
       </p:sp>
+      <p:pic>
+        <p:nvPicPr>
+          <p:cNvPr id="1026" name="Picture 2" descr="https://abs.twimg.com/a/1373572090/images/resources/twitter-bird-callout.png"/>
+          <p:cNvPicPr>
+            <a:picLocks noChangeAspect="1" noChangeArrowheads="1"/>
+          </p:cNvPicPr>
+          <p:nvPr/>
+        </p:nvPicPr>
+        <p:blipFill>
+          <a:blip r:embed="rId2">
+            <a:extLst>
+              <a:ext uri="{28A0092B-C50C-407E-A947-70E740481C1C}">
+                <a14:useLocalDpi xmlns:a14="http://schemas.microsoft.com/office/drawing/2010/main" val="0"/>
+              </a:ext>
+            </a:extLst>
+          </a:blip>
+          <a:srcRect/>
+          <a:stretch>
+            <a:fillRect/>
+          </a:stretch>
+        </p:blipFill>
+        <p:spPr bwMode="auto">
+          <a:xfrm>
+            <a:off x="1703512" y="2060848"/>
+            <a:ext cx="1333500" cy="1085850"/>
+          </a:xfrm>
+          <a:prstGeom prst="rect">
+            <a:avLst/>
+          </a:prstGeom>
+          <a:noFill/>
+          <a:extLst>
+            <a:ext uri="{909E8E84-426E-40DD-AFC4-6F175D3DCCD1}">
+              <a14:hiddenFill xmlns:a14="http://schemas.microsoft.com/office/drawing/2010/main">
+                <a:solidFill>
+                  <a:srgbClr val="FFFFFF"/>
+                </a:solidFill>
+              </a14:hiddenFill>
+            </a:ext>
+          </a:extLst>
+        </p:spPr>
+      </p:pic>
     </p:spTree>
     <p:extLst>
       <p:ext uri="{BB962C8B-B14F-4D97-AF65-F5344CB8AC3E}">
@@ -6471,26 +6508,14 @@
             <a:pPr lvl="1" algn="just" rtl="0"/>
             <a:r>
               <a:rPr lang="en-US" dirty="0" smtClean="0"/>
-              <a:t>An Interface I created that has </a:t>
-            </a:r>
+              <a:t>An Interface I created that has two methods</a:t>
+            </a:r>
+          </a:p>
+          <a:p>
+            <a:pPr lvl="2" algn="just" rtl="0"/>
             <a:r>
               <a:rPr lang="en-US" dirty="0" smtClean="0"/>
-              <a:t>two methods</a:t>
-            </a:r>
-          </a:p>
-          <a:p>
-            <a:pPr lvl="2" algn="just" rtl="0"/>
-            <a:r>
-              <a:rPr lang="en-US" dirty="0" smtClean="0"/>
-              <a:t>query(String </a:t>
-            </a:r>
-            <a:r>
-              <a:rPr lang="en-US" dirty="0" smtClean="0"/>
-              <a:t>query</a:t>
-            </a:r>
-            <a:r>
-              <a:rPr lang="en-US" dirty="0" smtClean="0"/>
-              <a:t>)</a:t>
+              <a:t>query(String query)</a:t>
             </a:r>
           </a:p>
           <a:p>
@@ -6503,7 +6528,6 @@
               <a:rPr lang="en-US" dirty="0" smtClean="0"/>
               <a:t>()</a:t>
             </a:r>
-            <a:endParaRPr lang="en-US" dirty="0" smtClean="0"/>
           </a:p>
           <a:p>
             <a:pPr marL="45720" indent="0" algn="just" rtl="0">
@@ -6515,17 +6539,8 @@
             </a:r>
             <a:r>
               <a:rPr lang="en-US" dirty="0" smtClean="0"/>
-              <a:t> </a:t>
-            </a:r>
-            <a:r>
-              <a:rPr lang="en-US" dirty="0" smtClean="0"/>
-              <a:t>object will implement this </a:t>
-            </a:r>
-            <a:r>
-              <a:rPr lang="en-US" dirty="0" smtClean="0"/>
-              <a:t>methods</a:t>
-            </a:r>
-            <a:endParaRPr lang="en-US" dirty="0" smtClean="0"/>
+              <a:t> object will implement this methods</a:t>
+            </a:r>
           </a:p>
           <a:p>
             <a:pPr lvl="1" algn="just" rtl="0"/>
@@ -6894,11 +6909,7 @@
             <a:pPr algn="just" rtl="0"/>
             <a:r>
               <a:rPr lang="en-US" dirty="0" smtClean="0"/>
-              <a:t>The class will be used to save data that we want to have acces</a:t>
-            </a:r>
-            <a:r>
-              <a:rPr lang="en-US" dirty="0" smtClean="0"/>
-              <a:t>s to from many places in the code</a:t>
+              <a:t>The class will be used to save data that we want to have access to from many places in the code</a:t>
             </a:r>
           </a:p>
           <a:p>
@@ -6944,7 +6955,6 @@
               <a:rPr lang="en-US" dirty="0" smtClean="0"/>
               <a:t>The events fired are fired from a secondary thread, so that they won’t get in the way of the main thread and hurt UI running operations</a:t>
             </a:r>
-            <a:endParaRPr lang="en-US" dirty="0" smtClean="0"/>
           </a:p>
           <a:p>
             <a:pPr algn="just" rtl="0"/>
@@ -7063,11 +7073,7 @@
             <a:pPr lvl="1" algn="just" rtl="0"/>
             <a:r>
               <a:rPr lang="en-US" dirty="0" smtClean="0"/>
-              <a:t>After seeing that I merged it into my Android </a:t>
-            </a:r>
-            <a:r>
-              <a:rPr lang="en-US" dirty="0" smtClean="0"/>
-              <a:t>project</a:t>
+              <a:t>After seeing that I merged it into my Android project</a:t>
             </a:r>
           </a:p>
           <a:p>
@@ -7076,7 +7082,6 @@
               <a:rPr lang="en-US" dirty="0" smtClean="0"/>
               <a:t>Upon finishing the project I realized the GC was working really hard – the reason was the Twitter4J library(used the DDMS Allocation Tracker)</a:t>
             </a:r>
-            <a:endParaRPr lang="en-US" dirty="0" smtClean="0"/>
           </a:p>
           <a:p>
             <a:pPr algn="just" rtl="0"/>
@@ -7089,8 +7094,32 @@
             <a:pPr lvl="1" algn="just" rtl="0"/>
             <a:r>
               <a:rPr lang="en-US" dirty="0" smtClean="0"/>
-              <a:t>Since every call we make to the API happens Asynchronous I had to make sure that prior calls won’t overlap newer ones</a:t>
-            </a:r>
+              <a:t>Since every call we make to the API happens Asynchronous I had to make sure that prior calls won’t overlap newer </a:t>
+            </a:r>
+            <a:r>
+              <a:rPr lang="en-US" dirty="0" smtClean="0"/>
+              <a:t>ones-</a:t>
+            </a:r>
+          </a:p>
+          <a:p>
+            <a:pPr lvl="2" algn="just" rtl="0"/>
+            <a:r>
+              <a:rPr lang="en-US" dirty="0" smtClean="0"/>
+              <a:t>Whenever a </a:t>
+            </a:r>
+            <a:r>
+              <a:rPr lang="en-US" dirty="0" err="1" smtClean="0"/>
+              <a:t>resultReceivedEvent</a:t>
+            </a:r>
+            <a:r>
+              <a:rPr lang="en-US" dirty="0" smtClean="0"/>
+              <a:t> arrives I check that It’s query String matches the string that is currently held in the </a:t>
+            </a:r>
+            <a:r>
+              <a:rPr lang="en-US" dirty="0" err="1" smtClean="0"/>
+              <a:t>CustomEditText</a:t>
+            </a:r>
+            <a:endParaRPr lang="en-US" dirty="0" smtClean="0"/>
           </a:p>
         </p:txBody>
       </p:sp>
